--- a/Documentation/Design Reviews/Speech Notes/Presentations/Final Presentation.pptx
+++ b/Documentation/Design Reviews/Speech Notes/Presentations/Final Presentation.pptx
@@ -470,7 +470,7 @@
           <a:p>
             <a:fld id="{810B4CB2-A7E2-428B-B79F-A839B2C82A65}" type="datetimeFigureOut">
               <a:rPr lang="en-US" smtClean="0"/>
-              <a:t>5/12/2013</a:t>
+              <a:t>5/13/2013</a:t>
             </a:fld>
             <a:endParaRPr lang="en-US"/>
           </a:p>
@@ -3200,7 +3200,7 @@
           <a:p>
             <a:fld id="{4A9987CB-E26A-4EC0-A105-6ACC1F4A0C54}" type="datetimeFigureOut">
               <a:rPr lang="en-US" smtClean="0"/>
-              <a:t>5/12/2013</a:t>
+              <a:t>5/13/2013</a:t>
             </a:fld>
             <a:endParaRPr lang="en-US"/>
           </a:p>
@@ -3370,7 +3370,7 @@
           <a:p>
             <a:fld id="{4A9987CB-E26A-4EC0-A105-6ACC1F4A0C54}" type="datetimeFigureOut">
               <a:rPr lang="en-US" smtClean="0"/>
-              <a:t>5/12/2013</a:t>
+              <a:t>5/13/2013</a:t>
             </a:fld>
             <a:endParaRPr lang="en-US"/>
           </a:p>
@@ -3550,7 +3550,7 @@
           <a:p>
             <a:fld id="{4A9987CB-E26A-4EC0-A105-6ACC1F4A0C54}" type="datetimeFigureOut">
               <a:rPr lang="en-US" smtClean="0"/>
-              <a:t>5/12/2013</a:t>
+              <a:t>5/13/2013</a:t>
             </a:fld>
             <a:endParaRPr lang="en-US"/>
           </a:p>
@@ -3720,7 +3720,7 @@
           <a:p>
             <a:fld id="{4A9987CB-E26A-4EC0-A105-6ACC1F4A0C54}" type="datetimeFigureOut">
               <a:rPr lang="en-US" smtClean="0"/>
-              <a:t>5/12/2013</a:t>
+              <a:t>5/13/2013</a:t>
             </a:fld>
             <a:endParaRPr lang="en-US"/>
           </a:p>
@@ -3966,7 +3966,7 @@
           <a:p>
             <a:fld id="{4A9987CB-E26A-4EC0-A105-6ACC1F4A0C54}" type="datetimeFigureOut">
               <a:rPr lang="en-US" smtClean="0"/>
-              <a:t>5/12/2013</a:t>
+              <a:t>5/13/2013</a:t>
             </a:fld>
             <a:endParaRPr lang="en-US"/>
           </a:p>
@@ -4254,7 +4254,7 @@
           <a:p>
             <a:fld id="{4A9987CB-E26A-4EC0-A105-6ACC1F4A0C54}" type="datetimeFigureOut">
               <a:rPr lang="en-US" smtClean="0"/>
-              <a:t>5/12/2013</a:t>
+              <a:t>5/13/2013</a:t>
             </a:fld>
             <a:endParaRPr lang="en-US"/>
           </a:p>
@@ -4676,7 +4676,7 @@
           <a:p>
             <a:fld id="{4A9987CB-E26A-4EC0-A105-6ACC1F4A0C54}" type="datetimeFigureOut">
               <a:rPr lang="en-US" smtClean="0"/>
-              <a:t>5/12/2013</a:t>
+              <a:t>5/13/2013</a:t>
             </a:fld>
             <a:endParaRPr lang="en-US"/>
           </a:p>
@@ -4794,7 +4794,7 @@
           <a:p>
             <a:fld id="{4A9987CB-E26A-4EC0-A105-6ACC1F4A0C54}" type="datetimeFigureOut">
               <a:rPr lang="en-US" smtClean="0"/>
-              <a:t>5/12/2013</a:t>
+              <a:t>5/13/2013</a:t>
             </a:fld>
             <a:endParaRPr lang="en-US"/>
           </a:p>
@@ -4889,7 +4889,7 @@
           <a:p>
             <a:fld id="{4A9987CB-E26A-4EC0-A105-6ACC1F4A0C54}" type="datetimeFigureOut">
               <a:rPr lang="en-US" smtClean="0"/>
-              <a:t>5/12/2013</a:t>
+              <a:t>5/13/2013</a:t>
             </a:fld>
             <a:endParaRPr lang="en-US"/>
           </a:p>
@@ -5166,7 +5166,7 @@
           <a:p>
             <a:fld id="{4A9987CB-E26A-4EC0-A105-6ACC1F4A0C54}" type="datetimeFigureOut">
               <a:rPr lang="en-US" smtClean="0"/>
-              <a:t>5/12/2013</a:t>
+              <a:t>5/13/2013</a:t>
             </a:fld>
             <a:endParaRPr lang="en-US"/>
           </a:p>
@@ -5419,7 +5419,7 @@
           <a:p>
             <a:fld id="{4A9987CB-E26A-4EC0-A105-6ACC1F4A0C54}" type="datetimeFigureOut">
               <a:rPr lang="en-US" smtClean="0"/>
-              <a:t>5/12/2013</a:t>
+              <a:t>5/13/2013</a:t>
             </a:fld>
             <a:endParaRPr lang="en-US"/>
           </a:p>
@@ -5632,7 +5632,7 @@
           <a:p>
             <a:fld id="{4A9987CB-E26A-4EC0-A105-6ACC1F4A0C54}" type="datetimeFigureOut">
               <a:rPr lang="en-US" smtClean="0"/>
-              <a:t>5/12/2013</a:t>
+              <a:t>5/13/2013</a:t>
             </a:fld>
             <a:endParaRPr lang="en-US"/>
           </a:p>
@@ -9508,7 +9508,6 @@
               <a:rPr lang="en-US" dirty="0" smtClean="0"/>
               <a:t>Return</a:t>
             </a:r>
-            <a:endParaRPr lang="en-US" dirty="0" smtClean="0"/>
           </a:p>
         </p:txBody>
       </p:sp>
@@ -9602,7 +9601,6 @@
                 <a:rPr lang="en-US" dirty="0" smtClean="0"/>
                 <a:t>Return</a:t>
               </a:r>
-              <a:endParaRPr lang="en-US" dirty="0" smtClean="0"/>
             </a:p>
           </p:txBody>
         </p:sp>
@@ -10356,7 +10354,6 @@
                 <a:rPr lang="en-US" dirty="0" smtClean="0"/>
                 <a:t>Return</a:t>
               </a:r>
-              <a:endParaRPr lang="en-US" dirty="0" smtClean="0"/>
             </a:p>
           </p:txBody>
         </p:sp>
@@ -10638,7 +10635,6 @@
               <a:rPr lang="en-US" dirty="0" smtClean="0"/>
               <a:t>Return</a:t>
             </a:r>
-            <a:endParaRPr lang="en-US" dirty="0" smtClean="0"/>
           </a:p>
         </p:txBody>
       </p:sp>
@@ -11134,15 +11130,7 @@
           <a:p>
             <a:r>
               <a:rPr lang="en-US" sz="2800" dirty="0" smtClean="0"/>
-              <a:t>System</a:t>
-            </a:r>
-            <a:r>
-              <a:rPr lang="en-US" sz="2800" dirty="0" smtClean="0"/>
-              <a:t> </a:t>
-            </a:r>
-            <a:r>
-              <a:rPr lang="en-US" sz="2800" dirty="0" smtClean="0"/>
-              <a:t>Modeling</a:t>
+              <a:t>System Modeling</a:t>
             </a:r>
             <a:endParaRPr lang="en-US" sz="2800" dirty="0"/>
           </a:p>
@@ -11344,7 +11332,6 @@
               <a:rPr lang="en-US" dirty="0" smtClean="0"/>
               <a:t>Return</a:t>
             </a:r>
-            <a:endParaRPr lang="en-US" dirty="0" smtClean="0"/>
           </a:p>
         </p:txBody>
       </p:sp>
@@ -11622,7 +11609,6 @@
               <a:rPr lang="en-US" dirty="0" smtClean="0"/>
               <a:t>Return</a:t>
             </a:r>
-            <a:endParaRPr lang="en-US" dirty="0" smtClean="0"/>
           </a:p>
         </p:txBody>
       </p:sp>
@@ -12190,8 +12176,8 @@
         </p:blipFill>
         <p:spPr bwMode="auto">
           <a:xfrm>
-            <a:off x="76200" y="1467414"/>
-            <a:ext cx="9145254" cy="4704785"/>
+            <a:off x="76200" y="1467415"/>
+            <a:ext cx="8915400" cy="4586536"/>
           </a:xfrm>
           <a:prstGeom prst="rect">
             <a:avLst/>
